--- a/.lessons/14 Form validation and Handling/7 DD/dd.pptx
+++ b/.lessons/14 Form validation and Handling/7 DD/dd.pptx
@@ -4613,7 +4613,7 @@
         <p:spPr>
           <a:xfrm>
             <a:off x="217714" y="255046"/>
-            <a:ext cx="11756571" cy="355354"/>
+            <a:ext cx="11756571" cy="2481257"/>
           </a:xfrm>
           <a:prstGeom prst="rect">
             <a:avLst/>
@@ -4676,6 +4676,105 @@
                 <a:latin typeface="Arial" panose="020B0604020202020204" pitchFamily="34" charset="0"/>
               </a:rPr>
               <a:t> obyektindən bu kimi yollarla əldə edə bilərik:</a:t>
+            </a:r>
+          </a:p>
+          <a:p>
+            <a:pPr>
+              <a:lnSpc>
+                <a:spcPct val="150000"/>
+              </a:lnSpc>
+              <a:buNone/>
+            </a:pPr>
+            <a:endParaRPr lang="az-Latn-AZ" altLang="en-US" sz="1300">
+              <a:latin typeface="Arial" panose="020B0604020202020204" pitchFamily="34" charset="0"/>
+            </a:endParaRPr>
+          </a:p>
+          <a:p>
+            <a:pPr>
+              <a:lnSpc>
+                <a:spcPct val="150000"/>
+              </a:lnSpc>
+              <a:buNone/>
+            </a:pPr>
+            <a:endParaRPr kumimoji="0" lang="az-Latn-AZ" altLang="en-US" sz="1300" b="0" i="0" u="none" strike="noStrike" cap="none" normalizeH="0" baseline="0">
+              <a:ln>
+                <a:noFill/>
+              </a:ln>
+              <a:solidFill>
+                <a:schemeClr val="tx1"/>
+              </a:solidFill>
+              <a:effectLst/>
+              <a:latin typeface="Arial" panose="020B0604020202020204" pitchFamily="34" charset="0"/>
+            </a:endParaRPr>
+          </a:p>
+          <a:p>
+            <a:pPr>
+              <a:lnSpc>
+                <a:spcPct val="150000"/>
+              </a:lnSpc>
+              <a:buNone/>
+            </a:pPr>
+            <a:endParaRPr lang="az-Latn-AZ" altLang="en-US" sz="1300">
+              <a:latin typeface="Arial" panose="020B0604020202020204" pitchFamily="34" charset="0"/>
+            </a:endParaRPr>
+          </a:p>
+          <a:p>
+            <a:pPr>
+              <a:lnSpc>
+                <a:spcPct val="150000"/>
+              </a:lnSpc>
+              <a:buNone/>
+            </a:pPr>
+            <a:endParaRPr kumimoji="0" lang="az-Latn-AZ" altLang="en-US" sz="1300" b="0" i="0" u="none" strike="noStrike" cap="none" normalizeH="0" baseline="0">
+              <a:ln>
+                <a:noFill/>
+              </a:ln>
+              <a:solidFill>
+                <a:schemeClr val="tx1"/>
+              </a:solidFill>
+              <a:effectLst/>
+              <a:latin typeface="Arial" panose="020B0604020202020204" pitchFamily="34" charset="0"/>
+            </a:endParaRPr>
+          </a:p>
+          <a:p>
+            <a:pPr>
+              <a:lnSpc>
+                <a:spcPct val="150000"/>
+              </a:lnSpc>
+              <a:buNone/>
+            </a:pPr>
+            <a:endParaRPr lang="az-Latn-AZ" altLang="en-US" sz="1300">
+              <a:latin typeface="Arial" panose="020B0604020202020204" pitchFamily="34" charset="0"/>
+            </a:endParaRPr>
+          </a:p>
+          <a:p>
+            <a:pPr>
+              <a:lnSpc>
+                <a:spcPct val="150000"/>
+              </a:lnSpc>
+              <a:buNone/>
+            </a:pPr>
+            <a:endParaRPr kumimoji="0" lang="az-Latn-AZ" altLang="en-US" sz="1300" b="0" i="0" u="none" strike="noStrike" cap="none" normalizeH="0" baseline="0">
+              <a:ln>
+                <a:noFill/>
+              </a:ln>
+              <a:solidFill>
+                <a:schemeClr val="tx1"/>
+              </a:solidFill>
+              <a:effectLst/>
+              <a:latin typeface="Arial" panose="020B0604020202020204" pitchFamily="34" charset="0"/>
+            </a:endParaRPr>
+          </a:p>
+          <a:p>
+            <a:pPr>
+              <a:lnSpc>
+                <a:spcPct val="150000"/>
+              </a:lnSpc>
+              <a:buNone/>
+            </a:pPr>
+            <a:r>
+              <a:rPr lang="en-US" sz="1400"/>
+              <a:t>və ya</a:t>
             </a:r>
             <a:endParaRPr kumimoji="0" lang="en-US" altLang="en-US" sz="1300" b="0" i="0" u="none" strike="noStrike" cap="none" normalizeH="0" baseline="0">
               <a:ln>
@@ -4714,6 +4813,36 @@
           <a:xfrm>
             <a:off x="217714" y="1036568"/>
             <a:ext cx="4991797" cy="523948"/>
+          </a:xfrm>
+          <a:prstGeom prst="rect">
+            <a:avLst/>
+          </a:prstGeom>
+        </p:spPr>
+      </p:pic>
+      <p:pic>
+        <p:nvPicPr>
+          <p:cNvPr id="7" name="Picture 6">
+            <a:extLst>
+              <a:ext uri="{FF2B5EF4-FFF2-40B4-BE49-F238E27FC236}">
+                <a16:creationId xmlns:a16="http://schemas.microsoft.com/office/drawing/2014/main" id="{E893E7CB-C10E-0B5D-FFAA-7AD47D99D070}"/>
+              </a:ext>
+            </a:extLst>
+          </p:cNvPr>
+          <p:cNvPicPr>
+            <a:picLocks noChangeAspect="1"/>
+          </p:cNvPicPr>
+          <p:nvPr/>
+        </p:nvPicPr>
+        <p:blipFill>
+          <a:blip r:embed="rId3"/>
+          <a:stretch>
+            <a:fillRect/>
+          </a:stretch>
+        </p:blipFill>
+        <p:spPr>
+          <a:xfrm>
+            <a:off x="217714" y="3255851"/>
+            <a:ext cx="5077534" cy="523948"/>
           </a:xfrm>
           <a:prstGeom prst="rect">
             <a:avLst/>
